--- a/Theater Simulation.pptx
+++ b/Theater Simulation.pptx
@@ -342,7 +342,7 @@
             <a:fld id="{5586B75A-687E-405C-8A0B-8D00578BA2C3}" type="datetimeFigureOut">
               <a:rPr lang="en-US" dirty="0"/>
               <a:pPr/>
-              <a:t>7/16/2020</a:t>
+              <a:t>7/19/2020</a:t>
             </a:fld>
             <a:endParaRPr lang="en-US" dirty="0"/>
           </a:p>
@@ -509,7 +509,7 @@
             <a:fld id="{5586B75A-687E-405C-8A0B-8D00578BA2C3}" type="datetimeFigureOut">
               <a:rPr lang="en-US" dirty="0"/>
               <a:pPr/>
-              <a:t>7/16/2020</a:t>
+              <a:t>7/19/2020</a:t>
             </a:fld>
             <a:endParaRPr lang="en-US" dirty="0"/>
           </a:p>
@@ -686,7 +686,7 @@
             <a:fld id="{5586B75A-687E-405C-8A0B-8D00578BA2C3}" type="datetimeFigureOut">
               <a:rPr lang="en-US" dirty="0"/>
               <a:pPr/>
-              <a:t>7/16/2020</a:t>
+              <a:t>7/19/2020</a:t>
             </a:fld>
             <a:endParaRPr lang="en-US" dirty="0"/>
           </a:p>
@@ -853,7 +853,7 @@
             <a:fld id="{5586B75A-687E-405C-8A0B-8D00578BA2C3}" type="datetimeFigureOut">
               <a:rPr lang="en-US" dirty="0"/>
               <a:pPr/>
-              <a:t>7/16/2020</a:t>
+              <a:t>7/19/2020</a:t>
             </a:fld>
             <a:endParaRPr lang="en-US" dirty="0"/>
           </a:p>
@@ -1108,7 +1108,7 @@
             <a:fld id="{5586B75A-687E-405C-8A0B-8D00578BA2C3}" type="datetimeFigureOut">
               <a:rPr lang="en-US" dirty="0"/>
               <a:pPr/>
-              <a:t>7/16/2020</a:t>
+              <a:t>7/19/2020</a:t>
             </a:fld>
             <a:endParaRPr lang="en-US" dirty="0"/>
           </a:p>
@@ -1393,7 +1393,7 @@
             <a:fld id="{5586B75A-687E-405C-8A0B-8D00578BA2C3}" type="datetimeFigureOut">
               <a:rPr lang="en-US" dirty="0"/>
               <a:pPr/>
-              <a:t>7/16/2020</a:t>
+              <a:t>7/19/2020</a:t>
             </a:fld>
             <a:endParaRPr lang="en-US" dirty="0"/>
           </a:p>
@@ -1832,7 +1832,7 @@
             <a:fld id="{5586B75A-687E-405C-8A0B-8D00578BA2C3}" type="datetimeFigureOut">
               <a:rPr lang="en-US" dirty="0"/>
               <a:pPr/>
-              <a:t>7/16/2020</a:t>
+              <a:t>7/19/2020</a:t>
             </a:fld>
             <a:endParaRPr lang="en-US" dirty="0"/>
           </a:p>
@@ -1947,7 +1947,7 @@
             <a:fld id="{5586B75A-687E-405C-8A0B-8D00578BA2C3}" type="datetimeFigureOut">
               <a:rPr lang="en-US" dirty="0"/>
               <a:pPr/>
-              <a:t>7/16/2020</a:t>
+              <a:t>7/19/2020</a:t>
             </a:fld>
             <a:endParaRPr lang="en-US" dirty="0"/>
           </a:p>
@@ -2039,7 +2039,7 @@
             <a:fld id="{5586B75A-687E-405C-8A0B-8D00578BA2C3}" type="datetimeFigureOut">
               <a:rPr lang="en-US" dirty="0"/>
               <a:pPr/>
-              <a:t>7/16/2020</a:t>
+              <a:t>7/19/2020</a:t>
             </a:fld>
             <a:endParaRPr lang="en-US" dirty="0"/>
           </a:p>
@@ -2324,7 +2324,7 @@
             <a:fld id="{5586B75A-687E-405C-8A0B-8D00578BA2C3}" type="datetimeFigureOut">
               <a:rPr lang="en-US" dirty="0"/>
               <a:pPr/>
-              <a:t>7/16/2020</a:t>
+              <a:t>7/19/2020</a:t>
             </a:fld>
             <a:endParaRPr lang="en-US" dirty="0"/>
           </a:p>
@@ -2594,7 +2594,7 @@
             <a:fld id="{5586B75A-687E-405C-8A0B-8D00578BA2C3}" type="datetimeFigureOut">
               <a:rPr lang="en-US" dirty="0"/>
               <a:pPr/>
-              <a:t>7/16/2020</a:t>
+              <a:t>7/19/2020</a:t>
             </a:fld>
             <a:endParaRPr lang="en-US" dirty="0"/>
           </a:p>
@@ -2888,7 +2888,7 @@
             <a:fld id="{5586B75A-687E-405C-8A0B-8D00578BA2C3}" type="datetimeFigureOut">
               <a:rPr lang="en-US" dirty="0"/>
               <a:pPr/>
-              <a:t>7/16/2020</a:t>
+              <a:t>7/19/2020</a:t>
             </a:fld>
             <a:endParaRPr lang="en-US" dirty="0"/>
           </a:p>
@@ -3516,11 +3516,7 @@
             <a:pPr lvl="1"/>
             <a:r>
               <a:rPr lang="en-US" dirty="0" smtClean="0"/>
-              <a:t>90 minutes taking into account early arrival up to late </a:t>
-            </a:r>
-            <a:r>
-              <a:rPr lang="en-US" dirty="0" smtClean="0"/>
-              <a:t>arrivals</a:t>
+              <a:t>90 minutes taking into account early arrival up to late arrivals</a:t>
             </a:r>
           </a:p>
           <a:p>
@@ -3548,13 +3544,8 @@
             <a:pPr lvl="2"/>
             <a:r>
               <a:rPr lang="en-US" dirty="0" smtClean="0"/>
-              <a:t>Simulation would account for time from 15:50-17:20</a:t>
-            </a:r>
-            <a:r>
-              <a:rPr lang="en-US" dirty="0" smtClean="0"/>
-              <a:t> </a:t>
-            </a:r>
-            <a:endParaRPr lang="en-US" dirty="0" smtClean="0"/>
+              <a:t>Simulation would account for time from 15:50-17:20 </a:t>
+            </a:r>
           </a:p>
           <a:p>
             <a:r>
@@ -3649,7 +3640,6 @@
               <a:rPr lang="en-US" dirty="0"/>
               <a:t>Theater Perspective Flowchart</a:t>
             </a:r>
-            <a:endParaRPr lang="en-US" dirty="0"/>
           </a:p>
         </p:txBody>
       </p:sp>
@@ -4408,6 +4398,49 @@
                 <a:hlinkClick r:id="rId3" action="ppaction://hlinkfile"/>
               </a:rPr>
               <a:t>Theater_sim.html</a:t>
+            </a:r>
+            <a:endParaRPr lang="en-US" dirty="0" smtClean="0"/>
+          </a:p>
+          <a:p>
+            <a:endParaRPr lang="en-US" dirty="0"/>
+          </a:p>
+          <a:p>
+            <a:r>
+              <a:rPr lang="en-US" dirty="0" smtClean="0"/>
+              <a:t>Parts of code borrowed from:</a:t>
+            </a:r>
+          </a:p>
+          <a:p>
+            <a:pPr lvl="1"/>
+            <a:r>
+              <a:rPr lang="en-US" dirty="0">
+                <a:hlinkClick r:id="rId4"/>
+              </a:rPr>
+              <a:t>https://realpython.com/simpy-simulating-with-python</a:t>
+            </a:r>
+            <a:r>
+              <a:rPr lang="en-US" dirty="0" smtClean="0">
+                <a:hlinkClick r:id="rId4"/>
+              </a:rPr>
+              <a:t>/</a:t>
+            </a:r>
+            <a:endParaRPr lang="en-US" dirty="0" smtClean="0"/>
+          </a:p>
+          <a:p>
+            <a:pPr lvl="1"/>
+            <a:r>
+              <a:rPr lang="en-US" dirty="0" smtClean="0"/>
+              <a:t>My Python programming chops are not as good as </a:t>
+            </a:r>
+            <a:r>
+              <a:rPr lang="en-US" smtClean="0"/>
+              <a:t>they should be </a:t>
+            </a:r>
+            <a:r>
+              <a:rPr lang="en-US" smtClean="0">
+                <a:sym typeface="Wingdings" panose="05000000000000000000" pitchFamily="2" charset="2"/>
+              </a:rPr>
+              <a:t></a:t>
             </a:r>
             <a:endParaRPr lang="en-US" dirty="0"/>
           </a:p>
